--- a/Leçon chimie/LC 19/LC 19- Application du premier pricnipe à la réaction chimique.pptx
+++ b/Leçon chimie/LC 19/LC 19- Application du premier pricnipe à la réaction chimique.pptx
@@ -5,7 +5,7 @@
     <p:sldMasterId id="2147483659" r:id="rId1"/>
   </p:sldMasterIdLst>
   <p:notesMasterIdLst>
-    <p:notesMasterId r:id="rId11"/>
+    <p:notesMasterId r:id="rId12"/>
   </p:notesMasterIdLst>
   <p:sldIdLst>
     <p:sldId id="256" r:id="rId2"/>
@@ -17,6 +17,7 @@
     <p:sldId id="265" r:id="rId8"/>
     <p:sldId id="266" r:id="rId9"/>
     <p:sldId id="267" r:id="rId10"/>
+    <p:sldId id="268" r:id="rId11"/>
   </p:sldIdLst>
   <p:sldSz cx="9144000" cy="5143500" type="screen16x9"/>
   <p:notesSz cx="6858000" cy="9144000"/>
@@ -251,7 +252,7 @@
   </p:defaultTextStyle>
   <p:extLst>
     <p:ext uri="{EFAFB233-063F-42B5-8137-9DF3F51BA10A}">
-      <p15:sldGuideLst xmlns="" xmlns:mc="http://schemas.openxmlformats.org/markup-compatibility/2006" xmlns:mv="urn:schemas-microsoft-com:mac:vml" xmlns:c="http://schemas.openxmlformats.org/drawingml/2006/chart" xmlns:dgm="http://schemas.openxmlformats.org/drawingml/2006/diagram" xmlns:o="urn:schemas-microsoft-com:office:office" xmlns:v="urn:schemas-microsoft-com:vml" xmlns:pvml="urn:schemas-microsoft-com:office:powerpoint" xmlns:com="http://schemas.openxmlformats.org/drawingml/2006/compatibility" xmlns:p14="http://schemas.microsoft.com/office/powerpoint/2010/main" xmlns:p15="http://schemas.microsoft.com/office/powerpoint/2012/main">
+      <p15:sldGuideLst xmlns:p15="http://schemas.microsoft.com/office/powerpoint/2012/main" xmlns:p14="http://schemas.microsoft.com/office/powerpoint/2010/main" xmlns:com="http://schemas.openxmlformats.org/drawingml/2006/compatibility" xmlns:pvml="urn:schemas-microsoft-com:office:powerpoint" xmlns:v="urn:schemas-microsoft-com:vml" xmlns:o="urn:schemas-microsoft-com:office:office" xmlns:dgm="http://schemas.openxmlformats.org/drawingml/2006/diagram" xmlns:c="http://schemas.openxmlformats.org/drawingml/2006/chart" xmlns:mv="urn:schemas-microsoft-com:mac:vml" xmlns:mc="http://schemas.openxmlformats.org/markup-compatibility/2006" xmlns="">
         <p15:guide id="1" orient="horz" pos="1620">
           <p15:clr>
             <a:srgbClr val="A4A3A4"/>
@@ -1568,7 +1569,7 @@
           <a:p>
             <a:fld id="{A1F56723-5FE4-47D8-B386-77794A139391}" type="datetimeFigureOut">
               <a:rPr lang="fr-FR" smtClean="0"/>
-              <a:t>23/05/20</a:t>
+              <a:t>22/06/20</a:t>
             </a:fld>
             <a:endParaRPr lang="fr-FR"/>
           </a:p>
@@ -5634,14 +5635,14 @@
               <a:buNone/>
             </a:pPr>
             <a:r>
-              <a:rPr lang="fr">
+              <a:rPr lang="fr" dirty="0">
                 <a:solidFill>
                   <a:srgbClr val="000000"/>
                 </a:solidFill>
               </a:rPr>
               <a:t>Agrégation 2020</a:t>
             </a:r>
-            <a:endParaRPr>
+            <a:endParaRPr dirty="0">
               <a:solidFill>
                 <a:srgbClr val="000000"/>
               </a:solidFill>
@@ -5691,6 +5692,148 @@
       </p:par>
     </p:tnLst>
   </p:timing>
+</p:sld>
+</file>
+
+<file path=ppt/slides/slide10.xml><?xml version="1.0" encoding="utf-8"?>
+<p:sld xmlns:a="http://schemas.openxmlformats.org/drawingml/2006/main" xmlns:r="http://schemas.openxmlformats.org/officeDocument/2006/relationships" xmlns:p="http://schemas.openxmlformats.org/presentationml/2006/main">
+  <p:cSld>
+    <p:spTree>
+      <p:nvGrpSpPr>
+        <p:cNvPr id="1" name=""/>
+        <p:cNvGrpSpPr/>
+        <p:nvPr/>
+      </p:nvGrpSpPr>
+      <p:grpSpPr>
+        <a:xfrm>
+          <a:off x="0" y="0"/>
+          <a:ext cx="0" cy="0"/>
+          <a:chOff x="0" y="0"/>
+          <a:chExt cx="0" cy="0"/>
+        </a:xfrm>
+      </p:grpSpPr>
+      <p:sp>
+        <p:nvSpPr>
+          <p:cNvPr id="2" name="Titre 1"/>
+          <p:cNvSpPr>
+            <a:spLocks noGrp="1"/>
+          </p:cNvSpPr>
+          <p:nvPr>
+            <p:ph type="title"/>
+          </p:nvPr>
+        </p:nvSpPr>
+        <p:spPr>
+          <a:xfrm>
+            <a:off x="11870" y="445025"/>
+            <a:ext cx="9388810" cy="572700"/>
+          </a:xfrm>
+        </p:spPr>
+        <p:txBody>
+          <a:bodyPr>
+            <a:normAutofit/>
+          </a:bodyPr>
+          <a:lstStyle/>
+          <a:p>
+            <a:r>
+              <a:rPr lang="fr-FR" sz="2000" dirty="0">
+                <a:solidFill>
+                  <a:srgbClr val="DD7E6B"/>
+                </a:solidFill>
+              </a:rPr>
+              <a:t>Détermination </a:t>
+            </a:r>
+            <a:r>
+              <a:rPr lang="fr-FR" sz="2000" dirty="0" smtClean="0">
+                <a:solidFill>
+                  <a:srgbClr val="DD7E6B"/>
+                </a:solidFill>
+              </a:rPr>
+              <a:t>d’une enthalpie standard de réaction par la loi de Hess</a:t>
+            </a:r>
+            <a:endParaRPr lang="fr-FR" sz="2000" dirty="0">
+              <a:solidFill>
+                <a:srgbClr val="DD7E6B"/>
+              </a:solidFill>
+            </a:endParaRPr>
+          </a:p>
+        </p:txBody>
+      </p:sp>
+      <p:pic>
+        <p:nvPicPr>
+          <p:cNvPr id="5" name="Image 4" descr="Capture d’écran 2020-06-22 à 13.04.55.png"/>
+          <p:cNvPicPr>
+            <a:picLocks noChangeAspect="1"/>
+          </p:cNvPicPr>
+          <p:nvPr/>
+        </p:nvPicPr>
+        <p:blipFill>
+          <a:blip r:embed="rId2">
+            <a:extLst>
+              <a:ext uri="{28A0092B-C50C-407E-A947-70E740481C1C}">
+                <a14:useLocalDpi xmlns:a14="http://schemas.microsoft.com/office/drawing/2010/main" val="0"/>
+              </a:ext>
+            </a:extLst>
+          </a:blip>
+          <a:stretch>
+            <a:fillRect/>
+          </a:stretch>
+        </p:blipFill>
+        <p:spPr>
+          <a:xfrm>
+            <a:off x="0" y="1098857"/>
+            <a:ext cx="8001000" cy="3594100"/>
+          </a:xfrm>
+          <a:prstGeom prst="rect">
+            <a:avLst/>
+          </a:prstGeom>
+        </p:spPr>
+      </p:pic>
+      <p:cxnSp>
+        <p:nvCxnSpPr>
+          <p:cNvPr id="13" name="Connecteur droit 12"/>
+          <p:cNvCxnSpPr/>
+          <p:nvPr/>
+        </p:nvCxnSpPr>
+        <p:spPr>
+          <a:xfrm flipH="1">
+            <a:off x="2160257" y="4676179"/>
+            <a:ext cx="3359081" cy="23737"/>
+          </a:xfrm>
+          <a:prstGeom prst="line">
+            <a:avLst/>
+          </a:prstGeom>
+          <a:ln w="9525" cmpd="sng">
+            <a:solidFill>
+              <a:srgbClr val="000000"/>
+            </a:solidFill>
+          </a:ln>
+          <a:effectLst/>
+        </p:spPr>
+        <p:style>
+          <a:lnRef idx="2">
+            <a:schemeClr val="accent1"/>
+          </a:lnRef>
+          <a:fillRef idx="0">
+            <a:schemeClr val="accent1"/>
+          </a:fillRef>
+          <a:effectRef idx="1">
+            <a:schemeClr val="accent1"/>
+          </a:effectRef>
+          <a:fontRef idx="minor">
+            <a:schemeClr val="tx1"/>
+          </a:fontRef>
+        </p:style>
+      </p:cxnSp>
+    </p:spTree>
+    <p:extLst>
+      <p:ext uri="{BB962C8B-B14F-4D97-AF65-F5344CB8AC3E}">
+        <p14:creationId xmlns:p14="http://schemas.microsoft.com/office/powerpoint/2010/main" val="3331726272"/>
+      </p:ext>
+    </p:extLst>
+  </p:cSld>
+  <p:clrMapOvr>
+    <a:masterClrMapping/>
+  </p:clrMapOvr>
 </p:sld>
 </file>
 
@@ -5716,7 +5859,7 @@
           <p:cNvPr id="2" name="Titre 1">
             <a:extLst>
               <a:ext uri="{FF2B5EF4-FFF2-40B4-BE49-F238E27FC236}">
-                <a16:creationId xmlns="" xmlns:a16="http://schemas.microsoft.com/office/drawing/2014/main" id="{9F2C83A9-BCF0-4BDE-B3FA-76763E58751D}"/>
+                <a16:creationId xmlns:a16="http://schemas.microsoft.com/office/drawing/2014/main" xmlns="" id="{9F2C83A9-BCF0-4BDE-B3FA-76763E58751D}"/>
               </a:ext>
             </a:extLst>
           </p:cNvPr>
@@ -5727,7 +5870,12 @@
             <p:ph type="title"/>
           </p:nvPr>
         </p:nvSpPr>
-        <p:spPr/>
+        <p:spPr>
+          <a:xfrm>
+            <a:off x="311700" y="374465"/>
+            <a:ext cx="8520600" cy="572700"/>
+          </a:xfrm>
+        </p:spPr>
         <p:txBody>
           <a:bodyPr>
             <a:noAutofit/>
@@ -5765,7 +5913,7 @@
           <p:cNvPr id="4" name="Espace réservé du numéro de diapositive 3">
             <a:extLst>
               <a:ext uri="{FF2B5EF4-FFF2-40B4-BE49-F238E27FC236}">
-                <a16:creationId xmlns="" xmlns:a16="http://schemas.microsoft.com/office/drawing/2014/main" id="{AD17DF4A-D819-4EAC-AAC6-2314D49CFFE6}"/>
+                <a16:creationId xmlns:a16="http://schemas.microsoft.com/office/drawing/2014/main" xmlns="" id="{AD17DF4A-D819-4EAC-AAC6-2314D49CFFE6}"/>
               </a:ext>
             </a:extLst>
           </p:cNvPr>
@@ -5794,7 +5942,7 @@
           <p:cNvPr id="5" name="Image 4">
             <a:extLst>
               <a:ext uri="{FF2B5EF4-FFF2-40B4-BE49-F238E27FC236}">
-                <a16:creationId xmlns="" xmlns:a16="http://schemas.microsoft.com/office/drawing/2014/main" id="{C94AF202-07DE-40EE-BB39-5E13B881C373}"/>
+                <a16:creationId xmlns:a16="http://schemas.microsoft.com/office/drawing/2014/main" xmlns="" id="{C94AF202-07DE-40EE-BB39-5E13B881C373}"/>
               </a:ext>
             </a:extLst>
           </p:cNvPr>
@@ -5819,6 +5967,66 @@
           </a:prstGeom>
         </p:spPr>
       </p:pic>
+      <p:sp>
+        <p:nvSpPr>
+          <p:cNvPr id="3" name="ZoneTexte 2"/>
+          <p:cNvSpPr txBox="1"/>
+          <p:nvPr/>
+        </p:nvSpPr>
+        <p:spPr>
+          <a:xfrm>
+            <a:off x="3268969" y="1646391"/>
+            <a:ext cx="384365" cy="307777"/>
+          </a:xfrm>
+          <a:prstGeom prst="rect">
+            <a:avLst/>
+          </a:prstGeom>
+          <a:noFill/>
+        </p:spPr>
+        <p:txBody>
+          <a:bodyPr wrap="none" rtlCol="0">
+            <a:spAutoFit/>
+          </a:bodyPr>
+          <a:lstStyle/>
+          <a:p>
+            <a:r>
+              <a:rPr lang="fr-FR" dirty="0" smtClean="0"/>
+              <a:t>80</a:t>
+            </a:r>
+            <a:endParaRPr lang="fr-FR" dirty="0"/>
+          </a:p>
+        </p:txBody>
+      </p:sp>
+      <p:sp>
+        <p:nvSpPr>
+          <p:cNvPr id="6" name="ZoneTexte 5"/>
+          <p:cNvSpPr txBox="1"/>
+          <p:nvPr/>
+        </p:nvSpPr>
+        <p:spPr>
+          <a:xfrm>
+            <a:off x="6867187" y="1646390"/>
+            <a:ext cx="384365" cy="307777"/>
+          </a:xfrm>
+          <a:prstGeom prst="rect">
+            <a:avLst/>
+          </a:prstGeom>
+          <a:noFill/>
+        </p:spPr>
+        <p:txBody>
+          <a:bodyPr wrap="none" rtlCol="0">
+            <a:spAutoFit/>
+          </a:bodyPr>
+          <a:lstStyle/>
+          <a:p>
+            <a:r>
+              <a:rPr lang="fr-FR" dirty="0" smtClean="0"/>
+              <a:t>50</a:t>
+            </a:r>
+            <a:endParaRPr lang="fr-FR" dirty="0"/>
+          </a:p>
+        </p:txBody>
+      </p:sp>
     </p:spTree>
     <p:extLst>
       <p:ext uri="{BB962C8B-B14F-4D97-AF65-F5344CB8AC3E}">
@@ -5896,7 +6104,7 @@
         <p:spPr>
           <a:xfrm>
             <a:off x="152397" y="626170"/>
-            <a:ext cx="8978540" cy="3293209"/>
+            <a:ext cx="8978540" cy="3785652"/>
           </a:xfrm>
           <a:prstGeom prst="rect">
             <a:avLst/>
@@ -5914,15 +6122,15 @@
               <a:buChar char="•"/>
             </a:pPr>
             <a:r>
-              <a:rPr lang="fr-FR" sz="1600" b="1" u="sng" dirty="0" smtClean="0"/>
+              <a:rPr lang="fr-FR" sz="1600" u="sng" dirty="0" smtClean="0"/>
               <a:t>Constituant gazeux (pur ou dans un mélange) à la température </a:t>
             </a:r>
             <a:r>
-              <a:rPr lang="fr-FR" sz="1600" b="1" u="sng" dirty="0" err="1" smtClean="0"/>
+              <a:rPr lang="fr-FR" sz="1600" u="sng" dirty="0" err="1" smtClean="0"/>
               <a:t>T</a:t>
             </a:r>
             <a:r>
-              <a:rPr lang="fr-FR" sz="1600" b="1" u="sng" dirty="0" smtClean="0"/>
+              <a:rPr lang="fr-FR" sz="1600" u="sng" dirty="0" smtClean="0"/>
               <a:t>:</a:t>
             </a:r>
           </a:p>
@@ -5970,6 +6178,9 @@
               <a:rPr lang="fr-FR" sz="1600" b="1" dirty="0" smtClean="0"/>
               <a:t>pression P°</a:t>
             </a:r>
+          </a:p>
+          <a:p>
+            <a:endParaRPr lang="fr-FR" sz="1600" b="1" u="sng" dirty="0" smtClean="0"/>
           </a:p>
           <a:p>
             <a:endParaRPr lang="fr-FR" sz="1600" b="1" u="sng" dirty="0"/>
@@ -5980,15 +6191,15 @@
               <a:buChar char="•"/>
             </a:pPr>
             <a:r>
-              <a:rPr lang="fr-FR" sz="1600" b="1" u="sng" dirty="0"/>
+              <a:rPr lang="fr-FR" sz="1600" u="sng" dirty="0"/>
               <a:t>Constituant en phase condensée (liquide, solide), pur, dans un mélange, </a:t>
             </a:r>
             <a:r>
-              <a:rPr lang="fr-FR" sz="1600" b="1" u="sng" dirty="0" smtClean="0"/>
+              <a:rPr lang="fr-FR" sz="1600" u="sng" dirty="0" smtClean="0"/>
               <a:t>ou </a:t>
             </a:r>
             <a:r>
-              <a:rPr lang="fr-FR" sz="1600" b="1" u="sng" dirty="0"/>
+              <a:rPr lang="fr-FR" sz="1600" u="sng" dirty="0"/>
               <a:t>solvant :</a:t>
             </a:r>
           </a:p>
@@ -6028,6 +6239,9 @@
               <a:rPr lang="fr-FR" sz="1600" b="1" dirty="0" smtClean="0"/>
               <a:t>pression P°</a:t>
             </a:r>
+          </a:p>
+          <a:p>
+            <a:endParaRPr lang="fr-FR" sz="1600" b="1" dirty="0" smtClean="0"/>
           </a:p>
           <a:p>
             <a:endParaRPr lang="fr-FR" sz="1600" b="1" dirty="0" smtClean="0"/>
@@ -6038,7 +6252,7 @@
               <a:buChar char="•"/>
             </a:pPr>
             <a:r>
-              <a:rPr lang="fr-FR" sz="1600" b="1" u="sng" dirty="0" smtClean="0"/>
+              <a:rPr lang="fr-FR" sz="1600" u="sng" dirty="0" smtClean="0"/>
               <a:t>Soluté :</a:t>
             </a:r>
           </a:p>
@@ -6764,7 +6978,7 @@
           <p:cNvPr id="8" name="Groupe 18">
             <a:extLst>
               <a:ext uri="{FF2B5EF4-FFF2-40B4-BE49-F238E27FC236}">
-                <a16:creationId xmlns:a16="http://schemas.microsoft.com/office/drawing/2014/main" xmlns="" id="{F6776D5E-CD0D-4464-A277-5080019489E4}"/>
+                <a16:creationId xmlns="" xmlns:a16="http://schemas.microsoft.com/office/drawing/2014/main" id="{F6776D5E-CD0D-4464-A277-5080019489E4}"/>
               </a:ext>
             </a:extLst>
           </p:cNvPr>
@@ -6784,7 +6998,7 @@
             <p:cNvPr id="9" name="Groupe 6">
               <a:extLst>
                 <a:ext uri="{FF2B5EF4-FFF2-40B4-BE49-F238E27FC236}">
-                  <a16:creationId xmlns:a16="http://schemas.microsoft.com/office/drawing/2014/main" xmlns="" id="{57F0F757-3A51-4B07-9901-7FF4E5233582}"/>
+                  <a16:creationId xmlns="" xmlns:a16="http://schemas.microsoft.com/office/drawing/2014/main" id="{57F0F757-3A51-4B07-9901-7FF4E5233582}"/>
                 </a:ext>
               </a:extLst>
             </p:cNvPr>
@@ -6804,7 +7018,7 @@
               <p:cNvPr id="11" name="Corde 10">
                 <a:extLst>
                   <a:ext uri="{FF2B5EF4-FFF2-40B4-BE49-F238E27FC236}">
-                    <a16:creationId xmlns:a16="http://schemas.microsoft.com/office/drawing/2014/main" xmlns="" id="{EE5CA57D-77C1-4B3B-B77C-AABD1E64897A}"/>
+                    <a16:creationId xmlns="" xmlns:a16="http://schemas.microsoft.com/office/drawing/2014/main" id="{EE5CA57D-77C1-4B3B-B77C-AABD1E64897A}"/>
                   </a:ext>
                 </a:extLst>
               </p:cNvPr>
@@ -6865,7 +7079,7 @@
               <p:cNvPr id="12" name="Corde 11">
                 <a:extLst>
                   <a:ext uri="{FF2B5EF4-FFF2-40B4-BE49-F238E27FC236}">
-                    <a16:creationId xmlns:a16="http://schemas.microsoft.com/office/drawing/2014/main" xmlns="" id="{254C6B35-51EA-4A55-A873-4E5C9567FDED}"/>
+                    <a16:creationId xmlns="" xmlns:a16="http://schemas.microsoft.com/office/drawing/2014/main" id="{254C6B35-51EA-4A55-A873-4E5C9567FDED}"/>
                   </a:ext>
                 </a:extLst>
               </p:cNvPr>
@@ -6925,7 +7139,7 @@
             <p:cNvPr id="10" name="Corde 9">
               <a:extLst>
                 <a:ext uri="{FF2B5EF4-FFF2-40B4-BE49-F238E27FC236}">
-                  <a16:creationId xmlns:a16="http://schemas.microsoft.com/office/drawing/2014/main" xmlns="" id="{BD1FE07C-7B03-4885-A109-BF91C8372C67}"/>
+                  <a16:creationId xmlns="" xmlns:a16="http://schemas.microsoft.com/office/drawing/2014/main" id="{BD1FE07C-7B03-4885-A109-BF91C8372C67}"/>
                 </a:ext>
               </a:extLst>
             </p:cNvPr>
@@ -6981,7 +7195,7 @@
           <p:cNvPr id="13" name="Cylindre 12">
             <a:extLst>
               <a:ext uri="{FF2B5EF4-FFF2-40B4-BE49-F238E27FC236}">
-                <a16:creationId xmlns:a16="http://schemas.microsoft.com/office/drawing/2014/main" xmlns="" id="{2415F571-3932-4B5D-9BDB-047DB0B7A0FA}"/>
+                <a16:creationId xmlns="" xmlns:a16="http://schemas.microsoft.com/office/drawing/2014/main" id="{2415F571-3932-4B5D-9BDB-047DB0B7A0FA}"/>
               </a:ext>
             </a:extLst>
           </p:cNvPr>
@@ -7040,7 +7254,7 @@
           <p:cNvPr id="14" name="ZoneTexte 13">
             <a:extLst>
               <a:ext uri="{FF2B5EF4-FFF2-40B4-BE49-F238E27FC236}">
-                <a16:creationId xmlns:a16="http://schemas.microsoft.com/office/drawing/2014/main" xmlns="" id="{6DD62A08-5C3E-49B3-9AF8-5FDB42A358E6}"/>
+                <a16:creationId xmlns="" xmlns:a16="http://schemas.microsoft.com/office/drawing/2014/main" id="{6DD62A08-5C3E-49B3-9AF8-5FDB42A358E6}"/>
               </a:ext>
             </a:extLst>
           </p:cNvPr>
@@ -7081,7 +7295,7 @@
           <p:cNvPr id="15" name="Connecteur droit avec flèche 14">
             <a:extLst>
               <a:ext uri="{FF2B5EF4-FFF2-40B4-BE49-F238E27FC236}">
-                <a16:creationId xmlns:a16="http://schemas.microsoft.com/office/drawing/2014/main" xmlns="" id="{09FA9F9F-39CA-448D-9B45-D77BC21A22CF}"/>
+                <a16:creationId xmlns="" xmlns:a16="http://schemas.microsoft.com/office/drawing/2014/main" id="{09FA9F9F-39CA-448D-9B45-D77BC21A22CF}"/>
               </a:ext>
             </a:extLst>
           </p:cNvPr>
@@ -7129,7 +7343,7 @@
         <p:spPr>
           <a:xfrm>
             <a:off x="4186494" y="3294074"/>
-            <a:ext cx="1856012" cy="1384995"/>
+            <a:ext cx="1856012" cy="1600438"/>
           </a:xfrm>
           <a:prstGeom prst="rect">
             <a:avLst/>
@@ -7158,8 +7372,9 @@
             </a:r>
             <a:r>
               <a:rPr lang="fr-FR" dirty="0" smtClean="0"/>
-              <a:t>=400,4g</a:t>
-            </a:r>
+              <a:t>= 400,4g</a:t>
+            </a:r>
+            <a:endParaRPr lang="fr-FR" dirty="0" smtClean="0"/>
           </a:p>
           <a:p>
             <a:r>
@@ -7171,9 +7386,60 @@
               <a:t>eau</a:t>
             </a:r>
             <a:r>
+              <a:rPr lang="fr-FR" baseline="-25000" dirty="0" smtClean="0"/>
+              <a:t> </a:t>
+            </a:r>
+            <a:r>
               <a:rPr lang="fr-FR" dirty="0" smtClean="0"/>
-              <a:t>=20,4°C</a:t>
-            </a:r>
+              <a:t>= 20,4</a:t>
+            </a:r>
+            <a:r>
+              <a:rPr lang="fr-FR" dirty="0" smtClean="0"/>
+              <a:t>°</a:t>
+            </a:r>
+            <a:r>
+              <a:rPr lang="fr-FR" dirty="0" smtClean="0"/>
+              <a:t>C</a:t>
+            </a:r>
+          </a:p>
+          <a:p>
+            <a:r>
+              <a:rPr lang="fr-FR" i="1" dirty="0" err="1"/>
+              <a:t>c</a:t>
+            </a:r>
+            <a:r>
+              <a:rPr lang="fr-FR" i="1" baseline="-25000" dirty="0" err="1" smtClean="0"/>
+              <a:t>eau</a:t>
+            </a:r>
+            <a:r>
+              <a:rPr lang="fr-FR" i="1" baseline="-25000" dirty="0" smtClean="0"/>
+              <a:t> </a:t>
+            </a:r>
+            <a:r>
+              <a:rPr lang="fr-FR" i="1" dirty="0" smtClean="0"/>
+              <a:t>= 4,180 </a:t>
+            </a:r>
+            <a:r>
+              <a:rPr lang="fr-FR" i="1" dirty="0"/>
+              <a:t>J.K</a:t>
+            </a:r>
+            <a:r>
+              <a:rPr lang="fr-FR" i="1" baseline="30000" dirty="0"/>
+              <a:t>-1</a:t>
+            </a:r>
+            <a:r>
+              <a:rPr lang="fr-FR" i="1" dirty="0"/>
+              <a:t>.g</a:t>
+            </a:r>
+            <a:r>
+              <a:rPr lang="fr-FR" i="1" baseline="30000" dirty="0"/>
+              <a:t>-1</a:t>
+            </a:r>
+            <a:r>
+              <a:rPr lang="fr-FR" i="1" dirty="0"/>
+              <a:t> </a:t>
+            </a:r>
+            <a:endParaRPr lang="fr-FR" dirty="0" smtClean="0"/>
           </a:p>
           <a:p>
             <a:endParaRPr lang="fr-FR" dirty="0"/>
@@ -7192,9 +7458,9 @@
           <p:nvPr/>
         </p:nvCxnSpPr>
         <p:spPr>
-          <a:xfrm flipH="1">
-            <a:off x="2888681" y="3986572"/>
-            <a:ext cx="1297813" cy="0"/>
+          <a:xfrm flipH="1" flipV="1">
+            <a:off x="2888682" y="3986573"/>
+            <a:ext cx="1297812" cy="107720"/>
           </a:xfrm>
           <a:prstGeom prst="straightConnector1">
             <a:avLst/>
@@ -7327,7 +7593,7 @@
           <p:cNvPr id="25" name="Arc 24">
             <a:extLst>
               <a:ext uri="{FF2B5EF4-FFF2-40B4-BE49-F238E27FC236}">
-                <a16:creationId xmlns="" xmlns:a16="http://schemas.microsoft.com/office/drawing/2014/main" id="{4A521114-9965-4B58-AE4D-7DB73232A2A7}"/>
+                <a16:creationId xmlns:a16="http://schemas.microsoft.com/office/drawing/2014/main" xmlns="" id="{4A521114-9965-4B58-AE4D-7DB73232A2A7}"/>
               </a:ext>
             </a:extLst>
           </p:cNvPr>
@@ -7382,7 +7648,7 @@
         <p:spPr>
           <a:xfrm>
             <a:off x="6405336" y="865394"/>
-            <a:ext cx="1423975" cy="1169551"/>
+            <a:ext cx="1423975" cy="954107"/>
           </a:xfrm>
           <a:prstGeom prst="rect">
             <a:avLst/>
@@ -7404,34 +7670,19 @@
           <a:p>
             <a:r>
               <a:rPr lang="fr-FR" dirty="0" err="1" smtClean="0"/>
-              <a:t>C</a:t>
+              <a:t>m</a:t>
             </a:r>
             <a:r>
               <a:rPr lang="fr-FR" baseline="-25000" dirty="0" err="1" smtClean="0"/>
               <a:t>glace</a:t>
             </a:r>
             <a:r>
-              <a:rPr lang="fr-FR" baseline="-25000" dirty="0" smtClean="0"/>
+              <a:rPr lang="fr-FR" dirty="0" smtClean="0"/>
               <a:t> </a:t>
             </a:r>
             <a:r>
               <a:rPr lang="fr-FR" dirty="0" smtClean="0"/>
-              <a:t>=</a:t>
-            </a:r>
-            <a:endParaRPr lang="fr-FR" baseline="-25000" dirty="0" smtClean="0"/>
-          </a:p>
-          <a:p>
-            <a:r>
-              <a:rPr lang="fr-FR" dirty="0" err="1"/>
-              <a:t>m</a:t>
-            </a:r>
-            <a:r>
-              <a:rPr lang="fr-FR" baseline="-25000" dirty="0" err="1" smtClean="0"/>
-              <a:t>glace</a:t>
-            </a:r>
-            <a:r>
-              <a:rPr lang="fr-FR" dirty="0" smtClean="0"/>
-              <a:t> = 101,1 g</a:t>
+              <a:t>= 101,1 g</a:t>
             </a:r>
           </a:p>
           <a:p>
@@ -7527,11 +7778,6 @@
               </a:rPr>
               <a:t>fusion de l’eau</a:t>
             </a:r>
-            <a:endParaRPr lang="fr-FR" sz="2400" dirty="0">
-              <a:solidFill>
-                <a:srgbClr val="DD7E6B"/>
-              </a:solidFill>
-            </a:endParaRPr>
           </a:p>
         </p:txBody>
       </p:sp>
@@ -7563,7 +7809,7 @@
           <p:cNvPr id="8" name="Groupe 18">
             <a:extLst>
               <a:ext uri="{FF2B5EF4-FFF2-40B4-BE49-F238E27FC236}">
-                <a16:creationId xmlns:a16="http://schemas.microsoft.com/office/drawing/2014/main" xmlns="" id="{F6776D5E-CD0D-4464-A277-5080019489E4}"/>
+                <a16:creationId xmlns="" xmlns:a16="http://schemas.microsoft.com/office/drawing/2014/main" id="{F6776D5E-CD0D-4464-A277-5080019489E4}"/>
               </a:ext>
             </a:extLst>
           </p:cNvPr>
@@ -7583,7 +7829,7 @@
             <p:cNvPr id="9" name="Groupe 6">
               <a:extLst>
                 <a:ext uri="{FF2B5EF4-FFF2-40B4-BE49-F238E27FC236}">
-                  <a16:creationId xmlns:a16="http://schemas.microsoft.com/office/drawing/2014/main" xmlns="" id="{57F0F757-3A51-4B07-9901-7FF4E5233582}"/>
+                  <a16:creationId xmlns="" xmlns:a16="http://schemas.microsoft.com/office/drawing/2014/main" id="{57F0F757-3A51-4B07-9901-7FF4E5233582}"/>
                 </a:ext>
               </a:extLst>
             </p:cNvPr>
@@ -7603,7 +7849,7 @@
               <p:cNvPr id="11" name="Corde 10">
                 <a:extLst>
                   <a:ext uri="{FF2B5EF4-FFF2-40B4-BE49-F238E27FC236}">
-                    <a16:creationId xmlns:a16="http://schemas.microsoft.com/office/drawing/2014/main" xmlns="" id="{EE5CA57D-77C1-4B3B-B77C-AABD1E64897A}"/>
+                    <a16:creationId xmlns="" xmlns:a16="http://schemas.microsoft.com/office/drawing/2014/main" id="{EE5CA57D-77C1-4B3B-B77C-AABD1E64897A}"/>
                   </a:ext>
                 </a:extLst>
               </p:cNvPr>
@@ -7664,7 +7910,7 @@
               <p:cNvPr id="12" name="Corde 11">
                 <a:extLst>
                   <a:ext uri="{FF2B5EF4-FFF2-40B4-BE49-F238E27FC236}">
-                    <a16:creationId xmlns:a16="http://schemas.microsoft.com/office/drawing/2014/main" xmlns="" id="{254C6B35-51EA-4A55-A873-4E5C9567FDED}"/>
+                    <a16:creationId xmlns="" xmlns:a16="http://schemas.microsoft.com/office/drawing/2014/main" id="{254C6B35-51EA-4A55-A873-4E5C9567FDED}"/>
                   </a:ext>
                 </a:extLst>
               </p:cNvPr>
@@ -7724,7 +7970,7 @@
             <p:cNvPr id="10" name="Corde 9">
               <a:extLst>
                 <a:ext uri="{FF2B5EF4-FFF2-40B4-BE49-F238E27FC236}">
-                  <a16:creationId xmlns:a16="http://schemas.microsoft.com/office/drawing/2014/main" xmlns="" id="{BD1FE07C-7B03-4885-A109-BF91C8372C67}"/>
+                  <a16:creationId xmlns="" xmlns:a16="http://schemas.microsoft.com/office/drawing/2014/main" id="{BD1FE07C-7B03-4885-A109-BF91C8372C67}"/>
                 </a:ext>
               </a:extLst>
             </p:cNvPr>
@@ -7780,7 +8026,7 @@
           <p:cNvPr id="13" name="Cylindre 12">
             <a:extLst>
               <a:ext uri="{FF2B5EF4-FFF2-40B4-BE49-F238E27FC236}">
-                <a16:creationId xmlns:a16="http://schemas.microsoft.com/office/drawing/2014/main" xmlns="" id="{2415F571-3932-4B5D-9BDB-047DB0B7A0FA}"/>
+                <a16:creationId xmlns="" xmlns:a16="http://schemas.microsoft.com/office/drawing/2014/main" id="{2415F571-3932-4B5D-9BDB-047DB0B7A0FA}"/>
               </a:ext>
             </a:extLst>
           </p:cNvPr>
@@ -7839,7 +8085,7 @@
           <p:cNvPr id="14" name="ZoneTexte 13">
             <a:extLst>
               <a:ext uri="{FF2B5EF4-FFF2-40B4-BE49-F238E27FC236}">
-                <a16:creationId xmlns:a16="http://schemas.microsoft.com/office/drawing/2014/main" xmlns="" id="{6DD62A08-5C3E-49B3-9AF8-5FDB42A358E6}"/>
+                <a16:creationId xmlns="" xmlns:a16="http://schemas.microsoft.com/office/drawing/2014/main" id="{6DD62A08-5C3E-49B3-9AF8-5FDB42A358E6}"/>
               </a:ext>
             </a:extLst>
           </p:cNvPr>
@@ -7880,7 +8126,7 @@
           <p:cNvPr id="15" name="Connecteur droit avec flèche 14">
             <a:extLst>
               <a:ext uri="{FF2B5EF4-FFF2-40B4-BE49-F238E27FC236}">
-                <a16:creationId xmlns:a16="http://schemas.microsoft.com/office/drawing/2014/main" xmlns="" id="{09FA9F9F-39CA-448D-9B45-D77BC21A22CF}"/>
+                <a16:creationId xmlns="" xmlns:a16="http://schemas.microsoft.com/office/drawing/2014/main" id="{09FA9F9F-39CA-448D-9B45-D77BC21A22CF}"/>
               </a:ext>
             </a:extLst>
           </p:cNvPr>
@@ -8410,11 +8656,6 @@
               </a:rPr>
               <a:t>°</a:t>
             </a:r>
-            <a:endParaRPr lang="fr-FR" sz="2400" dirty="0">
-              <a:solidFill>
-                <a:srgbClr val="DD7E6B"/>
-              </a:solidFill>
-            </a:endParaRPr>
           </a:p>
         </p:txBody>
       </p:sp>
@@ -8423,7 +8664,7 @@
           <p:cNvPr id="3" name="Groupe 3">
             <a:extLst>
               <a:ext uri="{FF2B5EF4-FFF2-40B4-BE49-F238E27FC236}">
-                <a16:creationId xmlns:a16="http://schemas.microsoft.com/office/drawing/2014/main" xmlns="" id="{F6776D5E-CD0D-4464-A277-5080019489E4}"/>
+                <a16:creationId xmlns="" xmlns:a16="http://schemas.microsoft.com/office/drawing/2014/main" id="{F6776D5E-CD0D-4464-A277-5080019489E4}"/>
               </a:ext>
             </a:extLst>
           </p:cNvPr>
@@ -8443,7 +8684,7 @@
             <p:cNvPr id="4" name="Groupe 6">
               <a:extLst>
                 <a:ext uri="{FF2B5EF4-FFF2-40B4-BE49-F238E27FC236}">
-                  <a16:creationId xmlns:a16="http://schemas.microsoft.com/office/drawing/2014/main" xmlns="" id="{57F0F757-3A51-4B07-9901-7FF4E5233582}"/>
+                  <a16:creationId xmlns="" xmlns:a16="http://schemas.microsoft.com/office/drawing/2014/main" id="{57F0F757-3A51-4B07-9901-7FF4E5233582}"/>
                 </a:ext>
               </a:extLst>
             </p:cNvPr>
@@ -8463,7 +8704,7 @@
               <p:cNvPr id="7" name="Corde 6">
                 <a:extLst>
                   <a:ext uri="{FF2B5EF4-FFF2-40B4-BE49-F238E27FC236}">
-                    <a16:creationId xmlns:a16="http://schemas.microsoft.com/office/drawing/2014/main" xmlns="" id="{EE5CA57D-77C1-4B3B-B77C-AABD1E64897A}"/>
+                    <a16:creationId xmlns="" xmlns:a16="http://schemas.microsoft.com/office/drawing/2014/main" id="{EE5CA57D-77C1-4B3B-B77C-AABD1E64897A}"/>
                   </a:ext>
                 </a:extLst>
               </p:cNvPr>
@@ -8524,7 +8765,7 @@
               <p:cNvPr id="8" name="Corde 7">
                 <a:extLst>
                   <a:ext uri="{FF2B5EF4-FFF2-40B4-BE49-F238E27FC236}">
-                    <a16:creationId xmlns:a16="http://schemas.microsoft.com/office/drawing/2014/main" xmlns="" id="{254C6B35-51EA-4A55-A873-4E5C9567FDED}"/>
+                    <a16:creationId xmlns="" xmlns:a16="http://schemas.microsoft.com/office/drawing/2014/main" id="{254C6B35-51EA-4A55-A873-4E5C9567FDED}"/>
                   </a:ext>
                 </a:extLst>
               </p:cNvPr>
@@ -8584,7 +8825,7 @@
             <p:cNvPr id="6" name="Corde 5">
               <a:extLst>
                 <a:ext uri="{FF2B5EF4-FFF2-40B4-BE49-F238E27FC236}">
-                  <a16:creationId xmlns:a16="http://schemas.microsoft.com/office/drawing/2014/main" xmlns="" id="{BD1FE07C-7B03-4885-A109-BF91C8372C67}"/>
+                  <a16:creationId xmlns="" xmlns:a16="http://schemas.microsoft.com/office/drawing/2014/main" id="{BD1FE07C-7B03-4885-A109-BF91C8372C67}"/>
                 </a:ext>
               </a:extLst>
             </p:cNvPr>
@@ -8640,7 +8881,7 @@
           <p:cNvPr id="10" name="Cylindre 9">
             <a:extLst>
               <a:ext uri="{FF2B5EF4-FFF2-40B4-BE49-F238E27FC236}">
-                <a16:creationId xmlns:a16="http://schemas.microsoft.com/office/drawing/2014/main" xmlns="" id="{2415F571-3932-4B5D-9BDB-047DB0B7A0FA}"/>
+                <a16:creationId xmlns="" xmlns:a16="http://schemas.microsoft.com/office/drawing/2014/main" id="{2415F571-3932-4B5D-9BDB-047DB0B7A0FA}"/>
               </a:ext>
             </a:extLst>
           </p:cNvPr>
@@ -8699,7 +8940,7 @@
           <p:cNvPr id="11" name="ZoneTexte 10">
             <a:extLst>
               <a:ext uri="{FF2B5EF4-FFF2-40B4-BE49-F238E27FC236}">
-                <a16:creationId xmlns:a16="http://schemas.microsoft.com/office/drawing/2014/main" xmlns="" id="{6DD62A08-5C3E-49B3-9AF8-5FDB42A358E6}"/>
+                <a16:creationId xmlns="" xmlns:a16="http://schemas.microsoft.com/office/drawing/2014/main" id="{6DD62A08-5C3E-49B3-9AF8-5FDB42A358E6}"/>
               </a:ext>
             </a:extLst>
           </p:cNvPr>
